--- a/Batch/New Violations Report Presentation.pptx
+++ b/Batch/New Violations Report Presentation.pptx
@@ -242,7 +242,7 @@
           <a:p>
             <a:fld id="{5C560D5B-FA55-4EFF-A3F3-0609288880AA}" type="datetimeFigureOut">
               <a:rPr lang="en-US" smtClean="0"/>
-              <a:t>3/18/2019</a:t>
+              <a:t>7/18/2019</a:t>
             </a:fld>
             <a:endParaRPr lang="en-US"/>
           </a:p>
@@ -407,7 +407,7 @@
           <a:p>
             <a:fld id="{BE7CF963-E58D-FC4D-BA9E-60A980752DC6}" type="datetimeFigureOut">
               <a:rPr lang="en-US" smtClean="0"/>
-              <a:t>3/18/2019</a:t>
+              <a:t>7/18/2019</a:t>
             </a:fld>
             <a:endParaRPr lang="en-US"/>
           </a:p>
@@ -1235,7 +1235,7 @@
           <a:p>
             <a:fld id="{B590C078-9131-4E49-8A0D-400FEE8377B5}" type="datetimeFigureOut">
               <a:rPr lang="en-US" smtClean="0"/>
-              <a:t>3/18/2019</a:t>
+              <a:t>7/18/2019</a:t>
             </a:fld>
             <a:endParaRPr lang="en-US"/>
           </a:p>
@@ -1579,7 +1579,7 @@
   <p:clrMapOvr>
     <a:masterClrMapping/>
   </p:clrMapOvr>
-  <p:extLst mod="1">
+  <p:extLst>
     <p:ext uri="{DCECCB84-F9BA-43D5-87BE-67443E8EF086}">
       <p15:sldGuideLst xmlns:p15="http://schemas.microsoft.com/office/powerpoint/2012/main">
         <p15:guide id="2" pos="384">
@@ -1925,7 +1925,7 @@
   <p:clrMapOvr>
     <a:masterClrMapping/>
   </p:clrMapOvr>
-  <p:extLst mod="1">
+  <p:extLst>
     <p:ext uri="{DCECCB84-F9BA-43D5-87BE-67443E8EF086}">
       <p15:sldGuideLst xmlns:p15="http://schemas.microsoft.com/office/powerpoint/2012/main">
         <p15:guide id="2" pos="384">
@@ -2271,7 +2271,7 @@
   <p:clrMapOvr>
     <a:masterClrMapping/>
   </p:clrMapOvr>
-  <p:extLst mod="1">
+  <p:extLst>
     <p:ext uri="{DCECCB84-F9BA-43D5-87BE-67443E8EF086}">
       <p15:sldGuideLst xmlns:p15="http://schemas.microsoft.com/office/powerpoint/2012/main">
         <p15:guide id="2" pos="384">
@@ -2617,7 +2617,7 @@
   <p:clrMapOvr>
     <a:masterClrMapping/>
   </p:clrMapOvr>
-  <p:extLst mod="1">
+  <p:extLst>
     <p:ext uri="{DCECCB84-F9BA-43D5-87BE-67443E8EF086}">
       <p15:sldGuideLst xmlns:p15="http://schemas.microsoft.com/office/powerpoint/2012/main">
         <p15:guide id="2" pos="384">
@@ -2966,7 +2966,7 @@
   <p:clrMapOvr>
     <a:masterClrMapping/>
   </p:clrMapOvr>
-  <p:extLst mod="1">
+  <p:extLst>
     <p:ext uri="{DCECCB84-F9BA-43D5-87BE-67443E8EF086}">
       <p15:sldGuideLst xmlns:p15="http://schemas.microsoft.com/office/powerpoint/2012/main">
         <p15:guide id="2" pos="384">
@@ -3315,7 +3315,7 @@
   <p:clrMapOvr>
     <a:masterClrMapping/>
   </p:clrMapOvr>
-  <p:extLst mod="1">
+  <p:extLst>
     <p:ext uri="{DCECCB84-F9BA-43D5-87BE-67443E8EF086}">
       <p15:sldGuideLst xmlns:p15="http://schemas.microsoft.com/office/powerpoint/2012/main">
         <p15:guide id="2" pos="384">
@@ -3662,7 +3662,7 @@
   <p:clrMapOvr>
     <a:masterClrMapping/>
   </p:clrMapOvr>
-  <p:extLst mod="1">
+  <p:extLst>
     <p:ext uri="{DCECCB84-F9BA-43D5-87BE-67443E8EF086}">
       <p15:sldGuideLst xmlns:p15="http://schemas.microsoft.com/office/powerpoint/2012/main">
         <p15:guide id="2" pos="384">
@@ -4009,7 +4009,7 @@
   <p:clrMapOvr>
     <a:masterClrMapping/>
   </p:clrMapOvr>
-  <p:extLst mod="1">
+  <p:extLst>
     <p:ext uri="{DCECCB84-F9BA-43D5-87BE-67443E8EF086}">
       <p15:sldGuideLst xmlns:p15="http://schemas.microsoft.com/office/powerpoint/2012/main">
         <p15:guide id="2" pos="384">
@@ -4355,7 +4355,7 @@
   <p:clrMapOvr>
     <a:masterClrMapping/>
   </p:clrMapOvr>
-  <p:extLst mod="1">
+  <p:extLst>
     <p:ext uri="{DCECCB84-F9BA-43D5-87BE-67443E8EF086}">
       <p15:sldGuideLst xmlns:p15="http://schemas.microsoft.com/office/powerpoint/2012/main">
         <p15:guide id="2" pos="384">
@@ -4701,7 +4701,7 @@
   <p:clrMapOvr>
     <a:masterClrMapping/>
   </p:clrMapOvr>
-  <p:extLst mod="1">
+  <p:extLst>
     <p:ext uri="{DCECCB84-F9BA-43D5-87BE-67443E8EF086}">
       <p15:sldGuideLst xmlns:p15="http://schemas.microsoft.com/office/powerpoint/2012/main">
         <p15:guide id="2" pos="384">
@@ -4826,7 +4826,7 @@
           <a:p>
             <a:fld id="{B590C078-9131-4E49-8A0D-400FEE8377B5}" type="datetimeFigureOut">
               <a:rPr lang="en-US" smtClean="0"/>
-              <a:t>3/18/2019</a:t>
+              <a:t>7/18/2019</a:t>
             </a:fld>
             <a:endParaRPr lang="en-US"/>
           </a:p>
@@ -5221,7 +5221,7 @@
   <p:clrMapOvr>
     <a:masterClrMapping/>
   </p:clrMapOvr>
-  <p:extLst mod="1">
+  <p:extLst>
     <p:ext uri="{DCECCB84-F9BA-43D5-87BE-67443E8EF086}">
       <p15:sldGuideLst xmlns:p15="http://schemas.microsoft.com/office/powerpoint/2012/main">
         <p15:guide id="2" pos="384">
@@ -5570,7 +5570,7 @@
   <p:clrMapOvr>
     <a:masterClrMapping/>
   </p:clrMapOvr>
-  <p:extLst mod="1">
+  <p:extLst>
     <p:ext uri="{DCECCB84-F9BA-43D5-87BE-67443E8EF086}">
       <p15:sldGuideLst xmlns:p15="http://schemas.microsoft.com/office/powerpoint/2012/main">
         <p15:guide id="2" pos="384">
@@ -5916,7 +5916,7 @@
   <p:clrMapOvr>
     <a:masterClrMapping/>
   </p:clrMapOvr>
-  <p:extLst mod="1">
+  <p:extLst>
     <p:ext uri="{DCECCB84-F9BA-43D5-87BE-67443E8EF086}">
       <p15:sldGuideLst xmlns:p15="http://schemas.microsoft.com/office/powerpoint/2012/main">
         <p15:guide id="2" pos="384">
@@ -6308,7 +6308,7 @@
   <p:clrMapOvr>
     <a:masterClrMapping/>
   </p:clrMapOvr>
-  <p:extLst mod="1">
+  <p:extLst>
     <p:ext uri="{DCECCB84-F9BA-43D5-87BE-67443E8EF086}">
       <p15:sldGuideLst xmlns:p15="http://schemas.microsoft.com/office/powerpoint/2012/main">
         <p15:guide id="2" pos="384">
@@ -6700,7 +6700,7 @@
   <p:clrMapOvr>
     <a:masterClrMapping/>
   </p:clrMapOvr>
-  <p:extLst mod="1">
+  <p:extLst>
     <p:ext uri="{DCECCB84-F9BA-43D5-87BE-67443E8EF086}">
       <p15:sldGuideLst xmlns:p15="http://schemas.microsoft.com/office/powerpoint/2012/main">
         <p15:guide id="2" pos="384">
@@ -7092,7 +7092,7 @@
   <p:clrMapOvr>
     <a:masterClrMapping/>
   </p:clrMapOvr>
-  <p:extLst mod="1">
+  <p:extLst>
     <p:ext uri="{DCECCB84-F9BA-43D5-87BE-67443E8EF086}">
       <p15:sldGuideLst xmlns:p15="http://schemas.microsoft.com/office/powerpoint/2012/main">
         <p15:guide id="2" pos="384">
@@ -7484,7 +7484,7 @@
   <p:clrMapOvr>
     <a:masterClrMapping/>
   </p:clrMapOvr>
-  <p:extLst mod="1">
+  <p:extLst>
     <p:ext uri="{DCECCB84-F9BA-43D5-87BE-67443E8EF086}">
       <p15:sldGuideLst xmlns:p15="http://schemas.microsoft.com/office/powerpoint/2012/main">
         <p15:guide id="2" pos="384">
@@ -7876,7 +7876,7 @@
   <p:clrMapOvr>
     <a:masterClrMapping/>
   </p:clrMapOvr>
-  <p:extLst mod="1">
+  <p:extLst>
     <p:ext uri="{DCECCB84-F9BA-43D5-87BE-67443E8EF086}">
       <p15:sldGuideLst xmlns:p15="http://schemas.microsoft.com/office/powerpoint/2012/main">
         <p15:guide id="2" pos="384">
@@ -8262,7 +8262,7 @@
   <p:clrMapOvr>
     <a:masterClrMapping/>
   </p:clrMapOvr>
-  <p:extLst mod="1">
+  <p:extLst>
     <p:ext uri="{DCECCB84-F9BA-43D5-87BE-67443E8EF086}">
       <p15:sldGuideLst xmlns:p15="http://schemas.microsoft.com/office/powerpoint/2012/main">
         <p15:guide id="2" pos="384">
@@ -8648,7 +8648,7 @@
   <p:clrMapOvr>
     <a:masterClrMapping/>
   </p:clrMapOvr>
-  <p:extLst mod="1">
+  <p:extLst>
     <p:ext uri="{DCECCB84-F9BA-43D5-87BE-67443E8EF086}">
       <p15:sldGuideLst xmlns:p15="http://schemas.microsoft.com/office/powerpoint/2012/main">
         <p15:guide id="2" pos="384">
@@ -8904,7 +8904,7 @@
           <a:p>
             <a:fld id="{B590C078-9131-4E49-8A0D-400FEE8377B5}" type="datetimeFigureOut">
               <a:rPr lang="en-US" smtClean="0"/>
-              <a:t>3/18/2019</a:t>
+              <a:t>7/18/2019</a:t>
             </a:fld>
             <a:endParaRPr lang="en-US"/>
           </a:p>
@@ -10354,7 +10354,6 @@
             <p:custDataLst>
               <p:tags r:id="rId2"/>
             </p:custDataLst>
-            <p:extLst/>
           </p:nvPr>
         </p:nvGraphicFramePr>
         <p:xfrm>
@@ -10365,7 +10364,7 @@
           <a:graphicData uri="http://schemas.openxmlformats.org/presentationml/2006/ole">
             <mc:AlternateContent xmlns:mc="http://schemas.openxmlformats.org/markup-compatibility/2006">
               <mc:Choice xmlns:v="urn:schemas-microsoft-com:vml" Requires="v">
-                <p:oleObj spid="_x0000_s1465" name="think-cell Slide" r:id="rId4" imgW="377" imgH="377" progId="TCLayout.ActiveDocument.1">
+                <p:oleObj spid="_x0000_s1466" name="think-cell Slide" r:id="rId4" imgW="377" imgH="377" progId="TCLayout.ActiveDocument.1">
                   <p:embed/>
                 </p:oleObj>
               </mc:Choice>
@@ -12368,7 +12367,7 @@
   <p:clrMapOvr>
     <a:masterClrMapping/>
   </p:clrMapOvr>
-  <p:extLst mod="1">
+  <p:extLst>
     <p:ext uri="{DCECCB84-F9BA-43D5-87BE-67443E8EF086}">
       <p15:sldGuideLst xmlns:p15="http://schemas.microsoft.com/office/powerpoint/2012/main">
         <p15:guide id="1" pos="3840">
@@ -14883,7 +14882,7 @@
   <p:clrMapOvr>
     <a:masterClrMapping/>
   </p:clrMapOvr>
-  <p:extLst mod="1">
+  <p:extLst>
     <p:ext uri="{DCECCB84-F9BA-43D5-87BE-67443E8EF086}">
       <p15:sldGuideLst xmlns:p15="http://schemas.microsoft.com/office/powerpoint/2012/main">
         <p15:guide id="1" pos="3840">
@@ -15034,7 +15033,6 @@
             <p:custDataLst>
               <p:tags r:id="rId2"/>
             </p:custDataLst>
-            <p:extLst/>
           </p:nvPr>
         </p:nvGraphicFramePr>
         <p:xfrm>
@@ -15045,7 +15043,7 @@
           <a:graphicData uri="http://schemas.openxmlformats.org/presentationml/2006/ole">
             <mc:AlternateContent xmlns:mc="http://schemas.openxmlformats.org/markup-compatibility/2006">
               <mc:Choice xmlns:v="urn:schemas-microsoft-com:vml" Requires="v">
-                <p:oleObj spid="_x0000_s3242" name="think-cell Slide" r:id="rId4" imgW="377" imgH="377" progId="TCLayout.ActiveDocument.1">
+                <p:oleObj spid="_x0000_s3243" name="think-cell Slide" r:id="rId4" imgW="377" imgH="377" progId="TCLayout.ActiveDocument.1">
                   <p:embed/>
                 </p:oleObj>
               </mc:Choice>
@@ -15597,7 +15595,7 @@
   <p:clrMapOvr>
     <a:masterClrMapping/>
   </p:clrMapOvr>
-  <p:extLst mod="1">
+  <p:extLst>
     <p:ext uri="{DCECCB84-F9BA-43D5-87BE-67443E8EF086}">
       <p15:sldGuideLst xmlns:p15="http://schemas.microsoft.com/office/powerpoint/2012/main">
         <p15:guide id="1" pos="3840">
@@ -16856,7 +16854,6 @@
             <p:custDataLst>
               <p:tags r:id="rId2"/>
             </p:custDataLst>
-            <p:extLst/>
           </p:nvPr>
         </p:nvGraphicFramePr>
         <p:xfrm>
@@ -16867,7 +16864,7 @@
           <a:graphicData uri="http://schemas.openxmlformats.org/presentationml/2006/ole">
             <mc:AlternateContent xmlns:mc="http://schemas.openxmlformats.org/markup-compatibility/2006">
               <mc:Choice xmlns:v="urn:schemas-microsoft-com:vml" Requires="v">
-                <p:oleObj spid="_x0000_s5270" name="think-cell Slide" r:id="rId4" imgW="377" imgH="377" progId="TCLayout.ActiveDocument.1">
+                <p:oleObj spid="_x0000_s5271" name="think-cell Slide" r:id="rId4" imgW="377" imgH="377" progId="TCLayout.ActiveDocument.1">
                   <p:embed/>
                 </p:oleObj>
               </mc:Choice>
@@ -17405,7 +17402,7 @@
   <p:clrMapOvr>
     <a:masterClrMapping/>
   </p:clrMapOvr>
-  <p:extLst mod="1">
+  <p:extLst>
     <p:ext uri="{DCECCB84-F9BA-43D5-87BE-67443E8EF086}">
       <p15:sldGuideLst xmlns:p15="http://schemas.microsoft.com/office/powerpoint/2012/main">
         <p15:guide id="1" pos="3840">
@@ -17842,7 +17839,7 @@
   <p:clrMapOvr>
     <a:masterClrMapping/>
   </p:clrMapOvr>
-  <p:extLst mod="1">
+  <p:extLst>
     <p:ext uri="{DCECCB84-F9BA-43D5-87BE-67443E8EF086}">
       <p15:sldGuideLst xmlns:p15="http://schemas.microsoft.com/office/powerpoint/2012/main">
         <p15:guide id="1" pos="3840">
@@ -19089,7 +19086,6 @@
             <p:custDataLst>
               <p:tags r:id="rId2"/>
             </p:custDataLst>
-            <p:extLst/>
           </p:nvPr>
         </p:nvGraphicFramePr>
         <p:xfrm>
@@ -19100,7 +19096,7 @@
           <a:graphicData uri="http://schemas.openxmlformats.org/presentationml/2006/ole">
             <mc:AlternateContent xmlns:mc="http://schemas.openxmlformats.org/markup-compatibility/2006">
               <mc:Choice xmlns:v="urn:schemas-microsoft-com:vml" Requires="v">
-                <p:oleObj spid="_x0000_s6231" name="think-cell Slide" r:id="rId4" imgW="377" imgH="377" progId="TCLayout.ActiveDocument.1">
+                <p:oleObj spid="_x0000_s6232" name="think-cell Slide" r:id="rId4" imgW="377" imgH="377" progId="TCLayout.ActiveDocument.1">
                   <p:embed/>
                 </p:oleObj>
               </mc:Choice>
@@ -19628,7 +19624,7 @@
   <p:clrMapOvr>
     <a:masterClrMapping/>
   </p:clrMapOvr>
-  <p:extLst mod="1">
+  <p:extLst>
     <p:ext uri="{DCECCB84-F9BA-43D5-87BE-67443E8EF086}">
       <p15:sldGuideLst xmlns:p15="http://schemas.microsoft.com/office/powerpoint/2012/main">
         <p15:guide id="1" pos="3840">
@@ -19809,7 +19805,7 @@
   <p:clrMapOvr>
     <a:masterClrMapping/>
   </p:clrMapOvr>
-  <p:extLst mod="1">
+  <p:extLst>
     <p:ext uri="{DCECCB84-F9BA-43D5-87BE-67443E8EF086}">
       <p15:sldGuideLst xmlns:p15="http://schemas.microsoft.com/office/powerpoint/2012/main">
         <p15:guide id="1" pos="3840" userDrawn="1">
@@ -20155,7 +20151,7 @@
   <p:clrMapOvr>
     <a:masterClrMapping/>
   </p:clrMapOvr>
-  <p:extLst mod="1">
+  <p:extLst>
     <p:ext uri="{DCECCB84-F9BA-43D5-87BE-67443E8EF086}">
       <p15:sldGuideLst xmlns:p15="http://schemas.microsoft.com/office/powerpoint/2012/main">
         <p15:guide id="2" pos="384">
@@ -20309,7 +20305,7 @@
           <a:p>
             <a:fld id="{B590C078-9131-4E49-8A0D-400FEE8377B5}" type="datetimeFigureOut">
               <a:rPr lang="en-US" smtClean="0"/>
-              <a:t>3/18/2019</a:t>
+              <a:t>7/18/2019</a:t>
             </a:fld>
             <a:endParaRPr lang="en-US"/>
           </a:p>
@@ -20771,7 +20767,7 @@
       </a:lvl9pPr>
     </p:otherStyle>
   </p:txStyles>
-  <p:extLst mod="1">
+  <p:extLst>
     <p:ext uri="{27BBF7A9-308A-43DC-89C8-2F10F3537804}">
       <p15:sldGuideLst xmlns:p15="http://schemas.microsoft.com/office/powerpoint/2012/main">
         <p15:guide id="1" pos="3840" userDrawn="1">
@@ -23363,11 +23359,11 @@
             </a:r>
             <a:r>
               <a:rPr lang="fr-FR" sz="2800" i="1" dirty="0"/>
-              <a:t> Improvement </a:t>
+              <a:t> </a:t>
             </a:r>
             <a:r>
               <a:rPr lang="fr-FR" sz="2800" i="1" dirty="0" err="1"/>
-              <a:t>Review</a:t>
+              <a:t>Improvement</a:t>
             </a:r>
             <a:r>
               <a:rPr lang="fr-FR" sz="2800" i="1" dirty="0"/>
@@ -30132,7 +30128,6 @@
           <a:ln>
             <a:noFill/>
           </a:ln>
-          <a:extLst/>
         </p:spPr>
         <p:txBody>
           <a:bodyPr wrap="square">
